--- a/Go学习笔记/6. 评论系统架构设计.pptx
+++ b/Go学习笔记/6. 评论系统架构设计.pptx
@@ -410,7 +410,7 @@
           <a:p>
             <a:fld id="{0F9B84EA-7D68-4D60-9CB1-D50884785D1C}" type="datetimeFigureOut">
               <a:rPr lang="zh-CN" altLang="en-US" smtClean="0"/>
-              <a:t>2021/5/22</a:t>
+              <a:t>2021/5/26</a:t>
             </a:fld>
             <a:endParaRPr lang="zh-CN" altLang="en-US"/>
           </a:p>
@@ -570,6 +570,11 @@
         </p:txBody>
       </p:sp>
     </p:spTree>
+    <p:extLst>
+      <p:ext uri="{BB962C8B-B14F-4D97-AF65-F5344CB8AC3E}">
+        <p14:creationId xmlns:p14="http://schemas.microsoft.com/office/powerpoint/2010/main" val="3025645576"/>
+      </p:ext>
+    </p:extLst>
   </p:cSld>
   <p:clrMap bg1="lt1" tx1="dk1" bg2="lt2" tx2="dk2" accent1="accent1" accent2="accent2" accent3="accent3" accent4="accent4" accent5="accent5" accent6="accent6" hlink="hlink" folHlink="folHlink"/>
   <p:notesStyle>
@@ -703,7 +708,12 @@
             <p:ph type="sldImg"/>
           </p:nvPr>
         </p:nvSpPr>
-        <p:spPr/>
+        <p:spPr>
+          <a:xfrm>
+            <a:off x="381000" y="685800"/>
+            <a:ext cx="6096000" cy="3429000"/>
+          </a:xfrm>
+        </p:spPr>
       </p:sp>
       <p:sp>
         <p:nvSpPr>
@@ -732,6 +742,11 @@
         </p:txBody>
       </p:sp>
     </p:spTree>
+    <p:extLst>
+      <p:ext uri="{BB962C8B-B14F-4D97-AF65-F5344CB8AC3E}">
+        <p14:creationId xmlns:p14="http://schemas.microsoft.com/office/powerpoint/2010/main" val="3182997019"/>
+      </p:ext>
+    </p:extLst>
   </p:cSld>
   <p:clrMapOvr>
     <a:masterClrMapping/>
@@ -766,7 +781,12 @@
             <p:ph type="sldImg"/>
           </p:nvPr>
         </p:nvSpPr>
-        <p:spPr/>
+        <p:spPr>
+          <a:xfrm>
+            <a:off x="381000" y="685800"/>
+            <a:ext cx="6096000" cy="3429000"/>
+          </a:xfrm>
+        </p:spPr>
       </p:sp>
       <p:sp>
         <p:nvSpPr>
@@ -795,6 +815,11 @@
         </p:txBody>
       </p:sp>
     </p:spTree>
+    <p:extLst>
+      <p:ext uri="{BB962C8B-B14F-4D97-AF65-F5344CB8AC3E}">
+        <p14:creationId xmlns:p14="http://schemas.microsoft.com/office/powerpoint/2010/main" val="2145917472"/>
+      </p:ext>
+    </p:extLst>
   </p:cSld>
   <p:clrMapOvr>
     <a:masterClrMapping/>
@@ -829,7 +854,12 @@
             <p:ph type="sldImg"/>
           </p:nvPr>
         </p:nvSpPr>
-        <p:spPr/>
+        <p:spPr>
+          <a:xfrm>
+            <a:off x="381000" y="685800"/>
+            <a:ext cx="6096000" cy="3429000"/>
+          </a:xfrm>
+        </p:spPr>
       </p:sp>
       <p:sp>
         <p:nvSpPr>
@@ -851,6 +881,11 @@
         </p:txBody>
       </p:sp>
     </p:spTree>
+    <p:extLst>
+      <p:ext uri="{BB962C8B-B14F-4D97-AF65-F5344CB8AC3E}">
+        <p14:creationId xmlns:p14="http://schemas.microsoft.com/office/powerpoint/2010/main" val="1997459073"/>
+      </p:ext>
+    </p:extLst>
   </p:cSld>
   <p:clrMapOvr>
     <a:masterClrMapping/>
@@ -885,7 +920,12 @@
             <p:ph type="sldImg"/>
           </p:nvPr>
         </p:nvSpPr>
-        <p:spPr/>
+        <p:spPr>
+          <a:xfrm>
+            <a:off x="381000" y="685800"/>
+            <a:ext cx="6096000" cy="3429000"/>
+          </a:xfrm>
+        </p:spPr>
       </p:sp>
       <p:sp>
         <p:nvSpPr>
@@ -907,6 +947,11 @@
         </p:txBody>
       </p:sp>
     </p:spTree>
+    <p:extLst>
+      <p:ext uri="{BB962C8B-B14F-4D97-AF65-F5344CB8AC3E}">
+        <p14:creationId xmlns:p14="http://schemas.microsoft.com/office/powerpoint/2010/main" val="2470425980"/>
+      </p:ext>
+    </p:extLst>
   </p:cSld>
   <p:clrMapOvr>
     <a:masterClrMapping/>
@@ -941,7 +986,12 @@
             <p:ph type="sldImg"/>
           </p:nvPr>
         </p:nvSpPr>
-        <p:spPr/>
+        <p:spPr>
+          <a:xfrm>
+            <a:off x="381000" y="685800"/>
+            <a:ext cx="6096000" cy="3429000"/>
+          </a:xfrm>
+        </p:spPr>
       </p:sp>
       <p:sp>
         <p:nvSpPr>
@@ -963,6 +1013,11 @@
         </p:txBody>
       </p:sp>
     </p:spTree>
+    <p:extLst>
+      <p:ext uri="{BB962C8B-B14F-4D97-AF65-F5344CB8AC3E}">
+        <p14:creationId xmlns:p14="http://schemas.microsoft.com/office/powerpoint/2010/main" val="3450404741"/>
+      </p:ext>
+    </p:extLst>
   </p:cSld>
   <p:clrMapOvr>
     <a:masterClrMapping/>
@@ -997,7 +1052,12 @@
             <p:ph type="sldImg"/>
           </p:nvPr>
         </p:nvSpPr>
-        <p:spPr/>
+        <p:spPr>
+          <a:xfrm>
+            <a:off x="381000" y="685800"/>
+            <a:ext cx="6096000" cy="3429000"/>
+          </a:xfrm>
+        </p:spPr>
       </p:sp>
       <p:sp>
         <p:nvSpPr>
@@ -1026,6 +1086,11 @@
         </p:txBody>
       </p:sp>
     </p:spTree>
+    <p:extLst>
+      <p:ext uri="{BB962C8B-B14F-4D97-AF65-F5344CB8AC3E}">
+        <p14:creationId xmlns:p14="http://schemas.microsoft.com/office/powerpoint/2010/main" val="1906017241"/>
+      </p:ext>
+    </p:extLst>
   </p:cSld>
   <p:clrMapOvr>
     <a:masterClrMapping/>
@@ -1060,7 +1125,12 @@
             <p:ph type="sldImg"/>
           </p:nvPr>
         </p:nvSpPr>
-        <p:spPr/>
+        <p:spPr>
+          <a:xfrm>
+            <a:off x="381000" y="685800"/>
+            <a:ext cx="6096000" cy="3429000"/>
+          </a:xfrm>
+        </p:spPr>
       </p:sp>
       <p:sp>
         <p:nvSpPr>
@@ -1082,6 +1152,11 @@
         </p:txBody>
       </p:sp>
     </p:spTree>
+    <p:extLst>
+      <p:ext uri="{BB962C8B-B14F-4D97-AF65-F5344CB8AC3E}">
+        <p14:creationId xmlns:p14="http://schemas.microsoft.com/office/powerpoint/2010/main" val="3194048006"/>
+      </p:ext>
+    </p:extLst>
   </p:cSld>
   <p:clrMapOvr>
     <a:masterClrMapping/>
@@ -1116,7 +1191,12 @@
             <p:ph type="sldImg"/>
           </p:nvPr>
         </p:nvSpPr>
-        <p:spPr/>
+        <p:spPr>
+          <a:xfrm>
+            <a:off x="381000" y="685800"/>
+            <a:ext cx="6096000" cy="3429000"/>
+          </a:xfrm>
+        </p:spPr>
       </p:sp>
       <p:sp>
         <p:nvSpPr>
@@ -1138,6 +1218,11 @@
         </p:txBody>
       </p:sp>
     </p:spTree>
+    <p:extLst>
+      <p:ext uri="{BB962C8B-B14F-4D97-AF65-F5344CB8AC3E}">
+        <p14:creationId xmlns:p14="http://schemas.microsoft.com/office/powerpoint/2010/main" val="3426089879"/>
+      </p:ext>
+    </p:extLst>
   </p:cSld>
   <p:clrMapOvr>
     <a:masterClrMapping/>
@@ -1172,7 +1257,12 @@
             <p:ph type="sldImg"/>
           </p:nvPr>
         </p:nvSpPr>
-        <p:spPr/>
+        <p:spPr>
+          <a:xfrm>
+            <a:off x="381000" y="685800"/>
+            <a:ext cx="6096000" cy="3429000"/>
+          </a:xfrm>
+        </p:spPr>
       </p:sp>
       <p:sp>
         <p:nvSpPr>
@@ -1194,6 +1284,11 @@
         </p:txBody>
       </p:sp>
     </p:spTree>
+    <p:extLst>
+      <p:ext uri="{BB962C8B-B14F-4D97-AF65-F5344CB8AC3E}">
+        <p14:creationId xmlns:p14="http://schemas.microsoft.com/office/powerpoint/2010/main" val="3766115947"/>
+      </p:ext>
+    </p:extLst>
   </p:cSld>
   <p:clrMapOvr>
     <a:masterClrMapping/>
@@ -1228,7 +1323,12 @@
             <p:ph type="sldImg"/>
           </p:nvPr>
         </p:nvSpPr>
-        <p:spPr/>
+        <p:spPr>
+          <a:xfrm>
+            <a:off x="381000" y="685800"/>
+            <a:ext cx="6096000" cy="3429000"/>
+          </a:xfrm>
+        </p:spPr>
       </p:sp>
       <p:sp>
         <p:nvSpPr>
@@ -1250,6 +1350,11 @@
         </p:txBody>
       </p:sp>
     </p:spTree>
+    <p:extLst>
+      <p:ext uri="{BB962C8B-B14F-4D97-AF65-F5344CB8AC3E}">
+        <p14:creationId xmlns:p14="http://schemas.microsoft.com/office/powerpoint/2010/main" val="2761627451"/>
+      </p:ext>
+    </p:extLst>
   </p:cSld>
   <p:clrMapOvr>
     <a:masterClrMapping/>
@@ -1284,7 +1389,12 @@
             <p:ph type="sldImg"/>
           </p:nvPr>
         </p:nvSpPr>
-        <p:spPr/>
+        <p:spPr>
+          <a:xfrm>
+            <a:off x="381000" y="685800"/>
+            <a:ext cx="6096000" cy="3429000"/>
+          </a:xfrm>
+        </p:spPr>
       </p:sp>
       <p:sp>
         <p:nvSpPr>
@@ -1313,6 +1423,11 @@
         </p:txBody>
       </p:sp>
     </p:spTree>
+    <p:extLst>
+      <p:ext uri="{BB962C8B-B14F-4D97-AF65-F5344CB8AC3E}">
+        <p14:creationId xmlns:p14="http://schemas.microsoft.com/office/powerpoint/2010/main" val="3940023406"/>
+      </p:ext>
+    </p:extLst>
   </p:cSld>
   <p:clrMapOvr>
     <a:masterClrMapping/>
@@ -1347,7 +1462,12 @@
             <p:ph type="sldImg"/>
           </p:nvPr>
         </p:nvSpPr>
-        <p:spPr/>
+        <p:spPr>
+          <a:xfrm>
+            <a:off x="381000" y="685800"/>
+            <a:ext cx="6096000" cy="3429000"/>
+          </a:xfrm>
+        </p:spPr>
       </p:sp>
       <p:sp>
         <p:nvSpPr>
@@ -1369,6 +1489,11 @@
         </p:txBody>
       </p:sp>
     </p:spTree>
+    <p:extLst>
+      <p:ext uri="{BB962C8B-B14F-4D97-AF65-F5344CB8AC3E}">
+        <p14:creationId xmlns:p14="http://schemas.microsoft.com/office/powerpoint/2010/main" val="4108011265"/>
+      </p:ext>
+    </p:extLst>
   </p:cSld>
   <p:clrMapOvr>
     <a:masterClrMapping/>
@@ -1403,7 +1528,12 @@
             <p:ph type="sldImg"/>
           </p:nvPr>
         </p:nvSpPr>
-        <p:spPr/>
+        <p:spPr>
+          <a:xfrm>
+            <a:off x="381000" y="685800"/>
+            <a:ext cx="6096000" cy="3429000"/>
+          </a:xfrm>
+        </p:spPr>
       </p:sp>
       <p:sp>
         <p:nvSpPr>
@@ -1425,6 +1555,11 @@
         </p:txBody>
       </p:sp>
     </p:spTree>
+    <p:extLst>
+      <p:ext uri="{BB962C8B-B14F-4D97-AF65-F5344CB8AC3E}">
+        <p14:creationId xmlns:p14="http://schemas.microsoft.com/office/powerpoint/2010/main" val="2163018516"/>
+      </p:ext>
+    </p:extLst>
   </p:cSld>
   <p:clrMapOvr>
     <a:masterClrMapping/>
@@ -1459,7 +1594,12 @@
             <p:ph type="sldImg"/>
           </p:nvPr>
         </p:nvSpPr>
-        <p:spPr/>
+        <p:spPr>
+          <a:xfrm>
+            <a:off x="381000" y="685800"/>
+            <a:ext cx="6096000" cy="3429000"/>
+          </a:xfrm>
+        </p:spPr>
       </p:sp>
       <p:sp>
         <p:nvSpPr>
@@ -1481,6 +1621,11 @@
         </p:txBody>
       </p:sp>
     </p:spTree>
+    <p:extLst>
+      <p:ext uri="{BB962C8B-B14F-4D97-AF65-F5344CB8AC3E}">
+        <p14:creationId xmlns:p14="http://schemas.microsoft.com/office/powerpoint/2010/main" val="1213577881"/>
+      </p:ext>
+    </p:extLst>
   </p:cSld>
   <p:clrMapOvr>
     <a:masterClrMapping/>
@@ -1515,7 +1660,12 @@
             <p:ph type="sldImg"/>
           </p:nvPr>
         </p:nvSpPr>
-        <p:spPr/>
+        <p:spPr>
+          <a:xfrm>
+            <a:off x="381000" y="685800"/>
+            <a:ext cx="6096000" cy="3429000"/>
+          </a:xfrm>
+        </p:spPr>
       </p:sp>
       <p:sp>
         <p:nvSpPr>
@@ -1537,6 +1687,11 @@
         </p:txBody>
       </p:sp>
     </p:spTree>
+    <p:extLst>
+      <p:ext uri="{BB962C8B-B14F-4D97-AF65-F5344CB8AC3E}">
+        <p14:creationId xmlns:p14="http://schemas.microsoft.com/office/powerpoint/2010/main" val="2262898649"/>
+      </p:ext>
+    </p:extLst>
   </p:cSld>
   <p:clrMapOvr>
     <a:masterClrMapping/>
@@ -1571,7 +1726,12 @@
             <p:ph type="sldImg"/>
           </p:nvPr>
         </p:nvSpPr>
-        <p:spPr/>
+        <p:spPr>
+          <a:xfrm>
+            <a:off x="381000" y="685800"/>
+            <a:ext cx="6096000" cy="3429000"/>
+          </a:xfrm>
+        </p:spPr>
       </p:sp>
       <p:sp>
         <p:nvSpPr>
@@ -1593,6 +1753,11 @@
         </p:txBody>
       </p:sp>
     </p:spTree>
+    <p:extLst>
+      <p:ext uri="{BB962C8B-B14F-4D97-AF65-F5344CB8AC3E}">
+        <p14:creationId xmlns:p14="http://schemas.microsoft.com/office/powerpoint/2010/main" val="4171249085"/>
+      </p:ext>
+    </p:extLst>
   </p:cSld>
   <p:clrMapOvr>
     <a:masterClrMapping/>
@@ -1627,7 +1792,12 @@
             <p:ph type="sldImg"/>
           </p:nvPr>
         </p:nvSpPr>
-        <p:spPr/>
+        <p:spPr>
+          <a:xfrm>
+            <a:off x="381000" y="685800"/>
+            <a:ext cx="6096000" cy="3429000"/>
+          </a:xfrm>
+        </p:spPr>
       </p:sp>
       <p:sp>
         <p:nvSpPr>
@@ -1649,6 +1819,11 @@
         </p:txBody>
       </p:sp>
     </p:spTree>
+    <p:extLst>
+      <p:ext uri="{BB962C8B-B14F-4D97-AF65-F5344CB8AC3E}">
+        <p14:creationId xmlns:p14="http://schemas.microsoft.com/office/powerpoint/2010/main" val="4294460635"/>
+      </p:ext>
+    </p:extLst>
   </p:cSld>
   <p:clrMapOvr>
     <a:masterClrMapping/>
@@ -4929,15 +5104,15 @@
           <a:lstStyle/>
           <a:p>
             <a:r>
-              <a:rPr kumimoji="1" lang="zh-CN" altLang="en-US"/>
+              <a:rPr kumimoji="1" lang="zh-CN" altLang="en-US" dirty="0"/>
               <a:t>存储设计 </a:t>
             </a:r>
             <a:r>
-              <a:rPr kumimoji="1" lang="en-US" altLang="zh-CN"/>
+              <a:rPr kumimoji="1" lang="en-US" altLang="zh-CN" dirty="0"/>
               <a:t>- </a:t>
             </a:r>
             <a:r>
-              <a:rPr kumimoji="1" lang="zh-CN" altLang="en-US"/>
+              <a:rPr kumimoji="1" lang="zh-CN" altLang="en-US" dirty="0"/>
               <a:t>缓存设计</a:t>
             </a:r>
           </a:p>
@@ -5553,13 +5728,18 @@
           <a:lstStyle/>
           <a:p>
             <a:r>
-              <a:rPr kumimoji="1" lang="zh-CN" altLang="en-US"/>
+              <a:rPr kumimoji="1" lang="zh-CN" altLang="en-US" dirty="0"/>
               <a:t>可用性设计 </a:t>
             </a:r>
             <a:r>
-              <a:rPr kumimoji="1" lang="en-US" altLang="zh-CN"/>
-              <a:t>- Singleflight</a:t>
-            </a:r>
+              <a:rPr kumimoji="1" lang="en-US" altLang="zh-CN" dirty="0"/>
+              <a:t>- </a:t>
+            </a:r>
+            <a:r>
+              <a:rPr kumimoji="1" lang="en-US" altLang="zh-CN" dirty="0" err="1"/>
+              <a:t>Singleflight</a:t>
+            </a:r>
+            <a:endParaRPr kumimoji="1" lang="en-US" altLang="zh-CN" dirty="0"/>
           </a:p>
         </p:txBody>
       </p:sp>
@@ -6085,15 +6265,15 @@
           <a:lstStyle/>
           <a:p>
             <a:r>
-              <a:rPr kumimoji="1" lang="zh-CN" altLang="en-US"/>
+              <a:rPr kumimoji="1" lang="zh-CN" altLang="en-US" dirty="0"/>
               <a:t>可用性设计 </a:t>
             </a:r>
             <a:r>
-              <a:rPr kumimoji="1" lang="en-US" altLang="zh-CN"/>
+              <a:rPr kumimoji="1" lang="en-US" altLang="zh-CN" dirty="0"/>
               <a:t>- </a:t>
             </a:r>
             <a:r>
-              <a:rPr kumimoji="1" lang="zh-CN" altLang="en-US"/>
+              <a:rPr kumimoji="1" lang="zh-CN" altLang="en-US" dirty="0"/>
               <a:t>热点</a:t>
             </a:r>
           </a:p>
